--- a/FluxSol-CAE/Icons/lOGOS (1).pptx
+++ b/FluxSol-CAE/Icons/lOGOS (1).pptx
@@ -3252,7 +3252,7 @@
         <p:grpSpPr>
           <a:xfrm>
             <a:off x="6989149" y="1138553"/>
-            <a:ext cx="4099530" cy="3364738"/>
+            <a:ext cx="3588235" cy="3364738"/>
             <a:chOff x="4238626" y="1798984"/>
             <a:chExt cx="4099530" cy="3364738"/>
           </a:xfrm>
@@ -3435,8 +3435,8 @@
           </p:nvCxnSpPr>
           <p:spPr>
             <a:xfrm flipH="1">
-              <a:off x="4506666" y="2491038"/>
-              <a:ext cx="270506" cy="1599204"/>
+              <a:off x="4506666" y="2530420"/>
+              <a:ext cx="263845" cy="1559822"/>
             </a:xfrm>
             <a:prstGeom prst="line">
               <a:avLst/>
@@ -3496,178 +3496,193 @@
           </a:fontRef>
         </p:style>
       </p:cxnSp>
-      <p:sp>
-        <p:nvSpPr>
-          <p:cNvPr id="13" name="Arc 12"/>
-          <p:cNvSpPr/>
+      <p:grpSp>
+        <p:nvGrpSpPr>
+          <p:cNvPr id="22" name="Group 21"/>
+          <p:cNvGrpSpPr/>
           <p:nvPr/>
-        </p:nvSpPr>
-        <p:spPr>
-          <a:xfrm rot="21059721">
-            <a:off x="8201742" y="2007803"/>
-            <a:ext cx="1734619" cy="961565"/>
+        </p:nvGrpSpPr>
+        <p:grpSpPr>
+          <a:xfrm>
+            <a:off x="7630895" y="1966614"/>
+            <a:ext cx="2113100" cy="1262238"/>
+            <a:chOff x="7630895" y="1966614"/>
+            <a:chExt cx="2113100" cy="1262238"/>
           </a:xfrm>
-          <a:prstGeom prst="arc">
-            <a:avLst>
-              <a:gd name="adj1" fmla="val 11306358"/>
-              <a:gd name="adj2" fmla="val 182036"/>
-            </a:avLst>
-          </a:prstGeom>
-          <a:ln w="177800">
+        </p:grpSpPr>
+        <p:sp>
+          <p:nvSpPr>
+            <p:cNvPr id="13" name="Arc 12"/>
+            <p:cNvSpPr/>
+            <p:nvPr/>
+          </p:nvSpPr>
+          <p:spPr>
+            <a:xfrm rot="21059721">
+              <a:off x="7979321" y="1966614"/>
+              <a:ext cx="1734619" cy="961565"/>
+            </a:xfrm>
+            <a:prstGeom prst="arc">
+              <a:avLst>
+                <a:gd name="adj1" fmla="val 11306358"/>
+                <a:gd name="adj2" fmla="val 182036"/>
+              </a:avLst>
+            </a:prstGeom>
+            <a:ln w="177800">
+              <a:solidFill>
+                <a:schemeClr val="accent5">
+                  <a:lumMod val="75000"/>
+                </a:schemeClr>
+              </a:solidFill>
+            </a:ln>
+            <a:effectLst>
+              <a:outerShdw blurRad="50800" dist="38100" dir="2700000" algn="tl" rotWithShape="0">
+                <a:prstClr val="black">
+                  <a:alpha val="40000"/>
+                </a:prstClr>
+              </a:outerShdw>
+            </a:effectLst>
+          </p:spPr>
+          <p:style>
+            <a:lnRef idx="1">
+              <a:schemeClr val="accent1"/>
+            </a:lnRef>
+            <a:fillRef idx="0">
+              <a:schemeClr val="accent1"/>
+            </a:fillRef>
+            <a:effectRef idx="0">
+              <a:schemeClr val="accent1"/>
+            </a:effectRef>
+            <a:fontRef idx="minor">
+              <a:schemeClr val="tx1"/>
+            </a:fontRef>
+          </p:style>
+          <p:txBody>
+            <a:bodyPr rtlCol="0" anchor="ctr"/>
+            <a:lstStyle/>
+            <a:p>
+              <a:pPr algn="ctr"/>
+              <a:endParaRPr lang="es-AR"/>
+            </a:p>
+          </p:txBody>
+        </p:sp>
+        <p:sp>
+          <p:nvSpPr>
+            <p:cNvPr id="14" name="Arc 13"/>
+            <p:cNvSpPr/>
+            <p:nvPr/>
+          </p:nvSpPr>
+          <p:spPr>
+            <a:xfrm rot="9795610">
+              <a:off x="7710583" y="1967071"/>
+              <a:ext cx="2033412" cy="1261781"/>
+            </a:xfrm>
+            <a:prstGeom prst="arc">
+              <a:avLst>
+                <a:gd name="adj1" fmla="val 10798780"/>
+                <a:gd name="adj2" fmla="val 20531888"/>
+              </a:avLst>
+            </a:prstGeom>
+            <a:ln w="177800">
+              <a:solidFill>
+                <a:schemeClr val="accent5">
+                  <a:lumMod val="75000"/>
+                </a:schemeClr>
+              </a:solidFill>
+            </a:ln>
+            <a:effectLst>
+              <a:outerShdw blurRad="50800" dist="38100" dir="2700000" algn="tl" rotWithShape="0">
+                <a:prstClr val="black">
+                  <a:alpha val="40000"/>
+                </a:prstClr>
+              </a:outerShdw>
+            </a:effectLst>
+          </p:spPr>
+          <p:style>
+            <a:lnRef idx="1">
+              <a:schemeClr val="accent1"/>
+            </a:lnRef>
+            <a:fillRef idx="0">
+              <a:schemeClr val="accent1"/>
+            </a:fillRef>
+            <a:effectRef idx="0">
+              <a:schemeClr val="accent1"/>
+            </a:effectRef>
+            <a:fontRef idx="minor">
+              <a:schemeClr val="tx1"/>
+            </a:fontRef>
+          </p:style>
+          <p:txBody>
+            <a:bodyPr rtlCol="0" anchor="ctr"/>
+            <a:lstStyle/>
+            <a:p>
+              <a:pPr algn="ctr"/>
+              <a:endParaRPr lang="es-AR"/>
+            </a:p>
+          </p:txBody>
+        </p:sp>
+        <p:sp>
+          <p:nvSpPr>
+            <p:cNvPr id="15" name="Isosceles Triangle 14"/>
+            <p:cNvSpPr/>
+            <p:nvPr/>
+          </p:nvSpPr>
+          <p:spPr>
+            <a:xfrm rot="19401631">
+              <a:off x="7630895" y="2771580"/>
+              <a:ext cx="541646" cy="349704"/>
+            </a:xfrm>
+            <a:prstGeom prst="triangle">
+              <a:avLst>
+                <a:gd name="adj" fmla="val 61898"/>
+              </a:avLst>
+            </a:prstGeom>
             <a:solidFill>
-              <a:schemeClr val="accent5">
-                <a:lumMod val="75000"/>
+              <a:schemeClr val="tx2">
+                <a:lumMod val="60000"/>
+                <a:lumOff val="40000"/>
               </a:schemeClr>
             </a:solidFill>
-          </a:ln>
-          <a:effectLst>
-            <a:outerShdw blurRad="50800" dist="38100" dir="2700000" algn="tl" rotWithShape="0">
-              <a:prstClr val="black">
-                <a:alpha val="40000"/>
-              </a:prstClr>
-            </a:outerShdw>
-          </a:effectLst>
-        </p:spPr>
-        <p:style>
-          <a:lnRef idx="1">
-            <a:schemeClr val="accent1"/>
-          </a:lnRef>
-          <a:fillRef idx="0">
-            <a:schemeClr val="accent1"/>
-          </a:fillRef>
-          <a:effectRef idx="0">
-            <a:schemeClr val="accent1"/>
-          </a:effectRef>
-          <a:fontRef idx="minor">
-            <a:schemeClr val="tx1"/>
-          </a:fontRef>
-        </p:style>
-        <p:txBody>
-          <a:bodyPr rtlCol="0" anchor="ctr"/>
-          <a:lstStyle/>
-          <a:p>
-            <a:pPr algn="ctr"/>
-            <a:endParaRPr lang="es-AR"/>
-          </a:p>
-        </p:txBody>
-      </p:sp>
-      <p:sp>
-        <p:nvSpPr>
-          <p:cNvPr id="14" name="Arc 13"/>
-          <p:cNvSpPr/>
-          <p:nvPr/>
-        </p:nvSpPr>
-        <p:spPr>
-          <a:xfrm rot="9795610">
-            <a:off x="7933004" y="2008260"/>
-            <a:ext cx="2033412" cy="1261781"/>
-          </a:xfrm>
-          <a:prstGeom prst="arc">
-            <a:avLst>
-              <a:gd name="adj1" fmla="val 10798780"/>
-              <a:gd name="adj2" fmla="val 20531888"/>
-            </a:avLst>
-          </a:prstGeom>
-          <a:ln w="177800">
-            <a:solidFill>
-              <a:schemeClr val="accent5">
-                <a:lumMod val="75000"/>
+            <a:ln w="152400">
+              <a:solidFill>
+                <a:schemeClr val="tx2">
+                  <a:lumMod val="75000"/>
+                </a:schemeClr>
+              </a:solidFill>
+            </a:ln>
+            <a:effectLst>
+              <a:outerShdw blurRad="50800" dist="38100" dir="2700000" algn="tl" rotWithShape="0">
+                <a:prstClr val="black">
+                  <a:alpha val="40000"/>
+                </a:prstClr>
+              </a:outerShdw>
+            </a:effectLst>
+          </p:spPr>
+          <p:style>
+            <a:lnRef idx="2">
+              <a:schemeClr val="accent1">
+                <a:shade val="50000"/>
               </a:schemeClr>
-            </a:solidFill>
-          </a:ln>
-          <a:effectLst>
-            <a:outerShdw blurRad="50800" dist="38100" dir="2700000" algn="tl" rotWithShape="0">
-              <a:prstClr val="black">
-                <a:alpha val="40000"/>
-              </a:prstClr>
-            </a:outerShdw>
-          </a:effectLst>
-        </p:spPr>
-        <p:style>
-          <a:lnRef idx="1">
-            <a:schemeClr val="accent1"/>
-          </a:lnRef>
-          <a:fillRef idx="0">
-            <a:schemeClr val="accent1"/>
-          </a:fillRef>
-          <a:effectRef idx="0">
-            <a:schemeClr val="accent1"/>
-          </a:effectRef>
-          <a:fontRef idx="minor">
-            <a:schemeClr val="tx1"/>
-          </a:fontRef>
-        </p:style>
-        <p:txBody>
-          <a:bodyPr rtlCol="0" anchor="ctr"/>
-          <a:lstStyle/>
-          <a:p>
-            <a:pPr algn="ctr"/>
-            <a:endParaRPr lang="es-AR"/>
-          </a:p>
-        </p:txBody>
-      </p:sp>
-      <p:sp>
-        <p:nvSpPr>
-          <p:cNvPr id="15" name="Isosceles Triangle 14"/>
-          <p:cNvSpPr/>
-          <p:nvPr/>
-        </p:nvSpPr>
-        <p:spPr>
-          <a:xfrm rot="19401631">
-            <a:off x="7853316" y="2812769"/>
-            <a:ext cx="541646" cy="349704"/>
-          </a:xfrm>
-          <a:prstGeom prst="triangle">
-            <a:avLst>
-              <a:gd name="adj" fmla="val 61898"/>
-            </a:avLst>
-          </a:prstGeom>
-          <a:solidFill>
-            <a:schemeClr val="tx2">
-              <a:lumMod val="60000"/>
-              <a:lumOff val="40000"/>
-            </a:schemeClr>
-          </a:solidFill>
-          <a:ln w="152400">
-            <a:solidFill>
-              <a:schemeClr val="tx2">
-                <a:lumMod val="75000"/>
-              </a:schemeClr>
-            </a:solidFill>
-          </a:ln>
-          <a:effectLst>
-            <a:outerShdw blurRad="50800" dist="38100" dir="2700000" algn="tl" rotWithShape="0">
-              <a:prstClr val="black">
-                <a:alpha val="40000"/>
-              </a:prstClr>
-            </a:outerShdw>
-          </a:effectLst>
-        </p:spPr>
-        <p:style>
-          <a:lnRef idx="2">
-            <a:schemeClr val="accent1">
-              <a:shade val="50000"/>
-            </a:schemeClr>
-          </a:lnRef>
-          <a:fillRef idx="1">
-            <a:schemeClr val="accent1"/>
-          </a:fillRef>
-          <a:effectRef idx="0">
-            <a:schemeClr val="accent1"/>
-          </a:effectRef>
-          <a:fontRef idx="minor">
-            <a:schemeClr val="lt1"/>
-          </a:fontRef>
-        </p:style>
-        <p:txBody>
-          <a:bodyPr rtlCol="0" anchor="ctr"/>
-          <a:lstStyle/>
-          <a:p>
-            <a:pPr algn="ctr"/>
-            <a:endParaRPr lang="es-AR"/>
-          </a:p>
-        </p:txBody>
-      </p:sp>
+            </a:lnRef>
+            <a:fillRef idx="1">
+              <a:schemeClr val="accent1"/>
+            </a:fillRef>
+            <a:effectRef idx="0">
+              <a:schemeClr val="accent1"/>
+            </a:effectRef>
+            <a:fontRef idx="minor">
+              <a:schemeClr val="lt1"/>
+            </a:fontRef>
+          </p:style>
+          <p:txBody>
+            <a:bodyPr rtlCol="0" anchor="ctr"/>
+            <a:lstStyle/>
+            <a:p>
+              <a:pPr algn="ctr"/>
+              <a:endParaRPr lang="es-AR"/>
+            </a:p>
+          </p:txBody>
+        </p:sp>
+      </p:grpSp>
       <p:sp>
         <p:nvSpPr>
           <p:cNvPr id="16" name="Isosceles Triangle 15"/>
@@ -3675,9 +3690,9 @@
           <p:nvPr/>
         </p:nvSpPr>
         <p:spPr>
-          <a:xfrm rot="5895152" flipH="1">
-            <a:off x="8406857" y="780844"/>
-            <a:ext cx="503140" cy="1084140"/>
+          <a:xfrm rot="5400000" flipH="1">
+            <a:off x="8617165" y="430217"/>
+            <a:ext cx="508507" cy="1779325"/>
           </a:xfrm>
           <a:prstGeom prst="triangle">
             <a:avLst>
@@ -3730,9 +3745,9 @@
           <p:nvPr/>
         </p:nvSpPr>
         <p:spPr>
-          <a:xfrm rot="4566153">
-            <a:off x="6346654" y="2222907"/>
-            <a:ext cx="1215767" cy="671176"/>
+          <a:xfrm rot="5400000">
+            <a:off x="6369546" y="2241209"/>
+            <a:ext cx="1288620" cy="427348"/>
           </a:xfrm>
           <a:prstGeom prst="triangle">
             <a:avLst>
@@ -3784,7 +3799,7 @@
         </p:nvGrpSpPr>
         <p:grpSpPr>
           <a:xfrm>
-            <a:off x="7144806" y="4067641"/>
+            <a:off x="6840029" y="3867723"/>
             <a:ext cx="2457338" cy="1054184"/>
             <a:chOff x="3250270" y="2206282"/>
             <a:chExt cx="2457338" cy="1054184"/>
